--- a/Prezentacija-zavrsno-izvjesce.pptx
+++ b/Prezentacija-zavrsno-izvjesce.pptx
@@ -27,21 +27,22 @@
     <p:sldId id="272" r:id="rId23"/>
     <p:sldId id="273" r:id="rId24"/>
     <p:sldId id="274" r:id="rId25"/>
+    <p:sldId id="275" r:id="rId26"/>
   </p:sldIdLst>
   <p:sldSz cy="5143500" cx="9144000"/>
   <p:notesSz cx="6858000" cy="9144000"/>
   <p:embeddedFontLst>
     <p:embeddedFont>
       <p:font typeface="Nunito"/>
-      <p:regular r:id="rId26"/>
-      <p:bold r:id="rId27"/>
-      <p:italic r:id="rId28"/>
-      <p:boldItalic r:id="rId29"/>
+      <p:regular r:id="rId27"/>
+      <p:bold r:id="rId28"/>
+      <p:italic r:id="rId29"/>
+      <p:boldItalic r:id="rId30"/>
     </p:embeddedFont>
     <p:embeddedFont>
       <p:font typeface="Maven Pro"/>
-      <p:regular r:id="rId30"/>
-      <p:bold r:id="rId31"/>
+      <p:regular r:id="rId31"/>
+      <p:bold r:id="rId32"/>
     </p:embeddedFont>
   </p:embeddedFontLst>
   <p:defaultTextStyle>
@@ -822,7 +823,7 @@
   <p:cSld>
     <p:spTree>
       <p:nvGrpSpPr>
-        <p:cNvPr id="331" name="Shape 331"/>
+        <p:cNvPr id="333" name="Shape 333"/>
         <p:cNvGrpSpPr/>
         <p:nvPr/>
       </p:nvGrpSpPr>
@@ -836,7 +837,7 @@
       </p:grpSpPr>
       <p:sp>
         <p:nvSpPr>
-          <p:cNvPr id="332" name="Google Shape;332;g13b513626ce_0_882:notes"/>
+          <p:cNvPr id="334" name="Google Shape;334;g13b513626ce_0_876:notes"/>
           <p:cNvSpPr/>
           <p:nvPr>
             <p:ph idx="2" type="sldImg"/>
@@ -871,7 +872,7 @@
       </p:sp>
       <p:sp>
         <p:nvSpPr>
-          <p:cNvPr id="333" name="Google Shape;333;g13b513626ce_0_882:notes"/>
+          <p:cNvPr id="335" name="Google Shape;335;g13b513626ce_0_876:notes"/>
           <p:cNvSpPr txBox="1"/>
           <p:nvPr>
             <p:ph idx="1" type="body"/>
@@ -935,7 +936,7 @@
       </p:grpSpPr>
       <p:sp>
         <p:nvSpPr>
-          <p:cNvPr id="340" name="Google Shape;340;g13b513626ce_0_889:notes"/>
+          <p:cNvPr id="340" name="Google Shape;340;g13b513626ce_0_882:notes"/>
           <p:cNvSpPr/>
           <p:nvPr>
             <p:ph idx="2" type="sldImg"/>
@@ -970,7 +971,7 @@
       </p:sp>
       <p:sp>
         <p:nvSpPr>
-          <p:cNvPr id="341" name="Google Shape;341;g13b513626ce_0_889:notes"/>
+          <p:cNvPr id="341" name="Google Shape;341;g13b513626ce_0_882:notes"/>
           <p:cNvSpPr txBox="1"/>
           <p:nvPr>
             <p:ph idx="1" type="body"/>
@@ -1034,7 +1035,7 @@
       </p:grpSpPr>
       <p:sp>
         <p:nvSpPr>
-          <p:cNvPr id="348" name="Google Shape;348;g13b513626ce_0_896:notes"/>
+          <p:cNvPr id="348" name="Google Shape;348;g13b513626ce_0_889:notes"/>
           <p:cNvSpPr/>
           <p:nvPr>
             <p:ph idx="2" type="sldImg"/>
@@ -1069,7 +1070,7 @@
       </p:sp>
       <p:sp>
         <p:nvSpPr>
-          <p:cNvPr id="349" name="Google Shape;349;g13b513626ce_0_896:notes"/>
+          <p:cNvPr id="349" name="Google Shape;349;g13b513626ce_0_889:notes"/>
           <p:cNvSpPr txBox="1"/>
           <p:nvPr>
             <p:ph idx="1" type="body"/>
@@ -1133,7 +1134,7 @@
       </p:grpSpPr>
       <p:sp>
         <p:nvSpPr>
-          <p:cNvPr id="356" name="Google Shape;356;g13b513626ce_0_903:notes"/>
+          <p:cNvPr id="356" name="Google Shape;356;g13b513626ce_0_896:notes"/>
           <p:cNvSpPr/>
           <p:nvPr>
             <p:ph idx="2" type="sldImg"/>
@@ -1168,7 +1169,7 @@
       </p:sp>
       <p:sp>
         <p:nvSpPr>
-          <p:cNvPr id="357" name="Google Shape;357;g13b513626ce_0_903:notes"/>
+          <p:cNvPr id="357" name="Google Shape;357;g13b513626ce_0_896:notes"/>
           <p:cNvSpPr txBox="1"/>
           <p:nvPr>
             <p:ph idx="1" type="body"/>
@@ -1232,7 +1233,7 @@
       </p:grpSpPr>
       <p:sp>
         <p:nvSpPr>
-          <p:cNvPr id="364" name="Google Shape;364;g13b513626ce_0_910:notes"/>
+          <p:cNvPr id="364" name="Google Shape;364;g13b513626ce_0_903:notes"/>
           <p:cNvSpPr/>
           <p:nvPr>
             <p:ph idx="2" type="sldImg"/>
@@ -1267,7 +1268,7 @@
       </p:sp>
       <p:sp>
         <p:nvSpPr>
-          <p:cNvPr id="365" name="Google Shape;365;g13b513626ce_0_910:notes"/>
+          <p:cNvPr id="365" name="Google Shape;365;g13b513626ce_0_903:notes"/>
           <p:cNvSpPr txBox="1"/>
           <p:nvPr>
             <p:ph idx="1" type="body"/>
@@ -1317,7 +1318,7 @@
   <p:cSld>
     <p:spTree>
       <p:nvGrpSpPr>
-        <p:cNvPr id="369" name="Shape 369"/>
+        <p:cNvPr id="371" name="Shape 371"/>
         <p:cNvGrpSpPr/>
         <p:nvPr/>
       </p:nvGrpSpPr>
@@ -1331,7 +1332,7 @@
       </p:grpSpPr>
       <p:sp>
         <p:nvSpPr>
-          <p:cNvPr id="370" name="Google Shape;370;g13b513626ce_0_923:notes"/>
+          <p:cNvPr id="372" name="Google Shape;372;g13b513626ce_0_910:notes"/>
           <p:cNvSpPr/>
           <p:nvPr>
             <p:ph idx="2" type="sldImg"/>
@@ -1366,7 +1367,7 @@
       </p:sp>
       <p:sp>
         <p:nvSpPr>
-          <p:cNvPr id="371" name="Google Shape;371;g13b513626ce_0_923:notes"/>
+          <p:cNvPr id="373" name="Google Shape;373;g13b513626ce_0_910:notes"/>
           <p:cNvSpPr txBox="1"/>
           <p:nvPr>
             <p:ph idx="1" type="body"/>
@@ -1430,7 +1431,7 @@
       </p:grpSpPr>
       <p:sp>
         <p:nvSpPr>
-          <p:cNvPr id="378" name="Google Shape;378;g13b513626ce_0_931:notes"/>
+          <p:cNvPr id="378" name="Google Shape;378;g13b513626ce_0_923:notes"/>
           <p:cNvSpPr/>
           <p:nvPr>
             <p:ph idx="2" type="sldImg"/>
@@ -1465,7 +1466,7 @@
       </p:sp>
       <p:sp>
         <p:nvSpPr>
-          <p:cNvPr id="379" name="Google Shape;379;g13b513626ce_0_931:notes"/>
+          <p:cNvPr id="379" name="Google Shape;379;g13b513626ce_0_923:notes"/>
           <p:cNvSpPr txBox="1"/>
           <p:nvPr>
             <p:ph idx="1" type="body"/>
@@ -1529,7 +1530,7 @@
       </p:grpSpPr>
       <p:sp>
         <p:nvSpPr>
-          <p:cNvPr id="386" name="Google Shape;386;g13b513626ce_0_943:notes"/>
+          <p:cNvPr id="386" name="Google Shape;386;g13b513626ce_0_931:notes"/>
           <p:cNvSpPr/>
           <p:nvPr>
             <p:ph idx="2" type="sldImg"/>
@@ -1564,7 +1565,7 @@
       </p:sp>
       <p:sp>
         <p:nvSpPr>
-          <p:cNvPr id="387" name="Google Shape;387;g13b513626ce_0_943:notes"/>
+          <p:cNvPr id="387" name="Google Shape;387;g13b513626ce_0_931:notes"/>
           <p:cNvSpPr txBox="1"/>
           <p:nvPr>
             <p:ph idx="1" type="body"/>
@@ -1614,7 +1615,7 @@
   <p:cSld>
     <p:spTree>
       <p:nvGrpSpPr>
-        <p:cNvPr id="391" name="Shape 391"/>
+        <p:cNvPr id="393" name="Shape 393"/>
         <p:cNvGrpSpPr/>
         <p:nvPr/>
       </p:nvGrpSpPr>
@@ -1628,7 +1629,7 @@
       </p:grpSpPr>
       <p:sp>
         <p:nvSpPr>
-          <p:cNvPr id="392" name="Google Shape;392;g13b513626ce_0_938:notes"/>
+          <p:cNvPr id="394" name="Google Shape;394;g13b513626ce_0_943:notes"/>
           <p:cNvSpPr/>
           <p:nvPr>
             <p:ph idx="2" type="sldImg"/>
@@ -1663,7 +1664,7 @@
       </p:sp>
       <p:sp>
         <p:nvSpPr>
-          <p:cNvPr id="393" name="Google Shape;393;g13b513626ce_0_938:notes"/>
+          <p:cNvPr id="395" name="Google Shape;395;g13b513626ce_0_943:notes"/>
           <p:cNvSpPr txBox="1"/>
           <p:nvPr>
             <p:ph idx="1" type="body"/>
@@ -1713,7 +1714,7 @@
   <p:cSld>
     <p:spTree>
       <p:nvGrpSpPr>
-        <p:cNvPr id="397" name="Shape 397"/>
+        <p:cNvPr id="399" name="Shape 399"/>
         <p:cNvGrpSpPr/>
         <p:nvPr/>
       </p:nvGrpSpPr>
@@ -1727,7 +1728,7 @@
       </p:grpSpPr>
       <p:sp>
         <p:nvSpPr>
-          <p:cNvPr id="398" name="Google Shape;398;g13b513626ce_0_949:notes"/>
+          <p:cNvPr id="400" name="Google Shape;400;g13b513626ce_0_938:notes"/>
           <p:cNvSpPr/>
           <p:nvPr>
             <p:ph idx="2" type="sldImg"/>
@@ -1762,7 +1763,7 @@
       </p:sp>
       <p:sp>
         <p:nvSpPr>
-          <p:cNvPr id="399" name="Google Shape;399;g13b513626ce_0_949:notes"/>
+          <p:cNvPr id="401" name="Google Shape;401;g13b513626ce_0_938:notes"/>
           <p:cNvSpPr txBox="1"/>
           <p:nvPr>
             <p:ph idx="1" type="body"/>
@@ -1906,6 +1907,105 @@
 </p:notes>
 </file>
 
+<file path=ppt/notesSlides/notesSlide20.xml><?xml version="1.0" encoding="utf-8"?>
+<p:notes xmlns:a="http://schemas.openxmlformats.org/drawingml/2006/main" xmlns:r="http://schemas.openxmlformats.org/officeDocument/2006/relationships" xmlns:mc="http://schemas.openxmlformats.org/markup-compatibility/2006" xmlns:mv="urn:schemas-microsoft-com:mac:vml" xmlns:p="http://schemas.openxmlformats.org/presentationml/2006/main" xmlns:c="http://schemas.openxmlformats.org/drawingml/2006/chart" xmlns:dgm="http://schemas.openxmlformats.org/drawingml/2006/diagram" xmlns:o="urn:schemas-microsoft-com:office:office" xmlns:v="urn:schemas-microsoft-com:vml" xmlns:pvml="urn:schemas-microsoft-com:office:powerpoint" xmlns:com="http://schemas.openxmlformats.org/drawingml/2006/compatibility" xmlns:p14="http://schemas.microsoft.com/office/powerpoint/2010/main" xmlns:p15="http://schemas.microsoft.com/office/powerpoint/2012/main" xmlns:ahyp="http://schemas.microsoft.com/office/drawing/2018/hyperlinkcolor" showMasterPhAnim="0" showMasterSp="0">
+  <p:cSld>
+    <p:spTree>
+      <p:nvGrpSpPr>
+        <p:cNvPr id="405" name="Shape 405"/>
+        <p:cNvGrpSpPr/>
+        <p:nvPr/>
+      </p:nvGrpSpPr>
+      <p:grpSpPr>
+        <a:xfrm>
+          <a:off x="0" y="0"/>
+          <a:ext cx="0" cy="0"/>
+          <a:chOff x="0" y="0"/>
+          <a:chExt cx="0" cy="0"/>
+        </a:xfrm>
+      </p:grpSpPr>
+      <p:sp>
+        <p:nvSpPr>
+          <p:cNvPr id="406" name="Google Shape;406;g13b513626ce_0_949:notes"/>
+          <p:cNvSpPr/>
+          <p:nvPr>
+            <p:ph idx="2" type="sldImg"/>
+          </p:nvPr>
+        </p:nvSpPr>
+        <p:spPr>
+          <a:xfrm>
+            <a:off x="381300" y="685800"/>
+            <a:ext cx="6096000" cy="3429000"/>
+          </a:xfrm>
+          <a:custGeom>
+            <a:rect b="b" l="l" r="r" t="t"/>
+            <a:pathLst>
+              <a:path extrusionOk="0" h="120000" w="120000">
+                <a:moveTo>
+                  <a:pt x="0" y="0"/>
+                </a:moveTo>
+                <a:lnTo>
+                  <a:pt x="120000" y="0"/>
+                </a:lnTo>
+                <a:lnTo>
+                  <a:pt x="120000" y="120000"/>
+                </a:lnTo>
+                <a:lnTo>
+                  <a:pt x="0" y="120000"/>
+                </a:lnTo>
+                <a:close/>
+              </a:path>
+            </a:pathLst>
+          </a:custGeom>
+        </p:spPr>
+      </p:sp>
+      <p:sp>
+        <p:nvSpPr>
+          <p:cNvPr id="407" name="Google Shape;407;g13b513626ce_0_949:notes"/>
+          <p:cNvSpPr txBox="1"/>
+          <p:nvPr>
+            <p:ph idx="1" type="body"/>
+          </p:nvPr>
+        </p:nvSpPr>
+        <p:spPr>
+          <a:xfrm>
+            <a:off x="685800" y="4343400"/>
+            <a:ext cx="5486400" cy="4114800"/>
+          </a:xfrm>
+          <a:prstGeom prst="rect">
+            <a:avLst/>
+          </a:prstGeom>
+        </p:spPr>
+        <p:txBody>
+          <a:bodyPr anchorCtr="0" anchor="t" bIns="91425" lIns="91425" spcFirstLastPara="1" rIns="91425" wrap="square" tIns="91425">
+            <a:noAutofit/>
+          </a:bodyPr>
+          <a:lstStyle/>
+          <a:p>
+            <a:pPr indent="0" lvl="0" marL="0" rtl="0" algn="l">
+              <a:spcBef>
+                <a:spcPts val="0"/>
+              </a:spcBef>
+              <a:spcAft>
+                <a:spcPts val="0"/>
+              </a:spcAft>
+              <a:buNone/>
+            </a:pPr>
+            <a:r>
+              <a:t/>
+            </a:r>
+            <a:endParaRPr/>
+          </a:p>
+        </p:txBody>
+      </p:sp>
+    </p:spTree>
+  </p:cSld>
+  <p:clrMapOvr>
+    <a:masterClrMapping/>
+  </p:clrMapOvr>
+</p:notes>
+</file>
+
 <file path=ppt/notesSlides/notesSlide3.xml><?xml version="1.0" encoding="utf-8"?>
 <p:notes xmlns:a="http://schemas.openxmlformats.org/drawingml/2006/main" xmlns:r="http://schemas.openxmlformats.org/officeDocument/2006/relationships" xmlns:mc="http://schemas.openxmlformats.org/markup-compatibility/2006" xmlns:mv="urn:schemas-microsoft-com:mac:vml" xmlns:p="http://schemas.openxmlformats.org/presentationml/2006/main" xmlns:c="http://schemas.openxmlformats.org/drawingml/2006/chart" xmlns:dgm="http://schemas.openxmlformats.org/drawingml/2006/diagram" xmlns:o="urn:schemas-microsoft-com:office:office" xmlns:v="urn:schemas-microsoft-com:vml" xmlns:pvml="urn:schemas-microsoft-com:office:powerpoint" xmlns:com="http://schemas.openxmlformats.org/drawingml/2006/compatibility" xmlns:p14="http://schemas.microsoft.com/office/powerpoint/2010/main" xmlns:p15="http://schemas.microsoft.com/office/powerpoint/2012/main" xmlns:ahyp="http://schemas.microsoft.com/office/drawing/2018/hyperlinkcolor" showMasterPhAnim="0" showMasterSp="0">
   <p:cSld>
@@ -2321,7 +2421,7 @@
       </p:grpSpPr>
       <p:sp>
         <p:nvSpPr>
-          <p:cNvPr id="314" name="Google Shape;314;g13b513626ce_0_866:notes"/>
+          <p:cNvPr id="314" name="Google Shape;314;g13b37a5eba0_0_0:notes"/>
           <p:cNvSpPr/>
           <p:nvPr>
             <p:ph idx="2" type="sldImg"/>
@@ -2356,7 +2456,7 @@
       </p:sp>
       <p:sp>
         <p:nvSpPr>
-          <p:cNvPr id="315" name="Google Shape;315;g13b513626ce_0_866:notes"/>
+          <p:cNvPr id="315" name="Google Shape;315;g13b37a5eba0_0_0:notes"/>
           <p:cNvSpPr txBox="1"/>
           <p:nvPr>
             <p:ph idx="1" type="body"/>
@@ -2406,7 +2506,7 @@
   <p:cSld>
     <p:spTree>
       <p:nvGrpSpPr>
-        <p:cNvPr id="319" name="Shape 319"/>
+        <p:cNvPr id="321" name="Shape 321"/>
         <p:cNvGrpSpPr/>
         <p:nvPr/>
       </p:nvGrpSpPr>
@@ -2420,7 +2520,7 @@
       </p:grpSpPr>
       <p:sp>
         <p:nvSpPr>
-          <p:cNvPr id="320" name="Google Shape;320;g13b513626ce_0_871:notes"/>
+          <p:cNvPr id="322" name="Google Shape;322;g13b513626ce_0_866:notes"/>
           <p:cNvSpPr/>
           <p:nvPr>
             <p:ph idx="2" type="sldImg"/>
@@ -2455,7 +2555,7 @@
       </p:sp>
       <p:sp>
         <p:nvSpPr>
-          <p:cNvPr id="321" name="Google Shape;321;g13b513626ce_0_871:notes"/>
+          <p:cNvPr id="323" name="Google Shape;323;g13b513626ce_0_866:notes"/>
           <p:cNvSpPr txBox="1"/>
           <p:nvPr>
             <p:ph idx="1" type="body"/>
@@ -2505,7 +2605,7 @@
   <p:cSld>
     <p:spTree>
       <p:nvGrpSpPr>
-        <p:cNvPr id="325" name="Shape 325"/>
+        <p:cNvPr id="327" name="Shape 327"/>
         <p:cNvGrpSpPr/>
         <p:nvPr/>
       </p:nvGrpSpPr>
@@ -2519,7 +2619,7 @@
       </p:grpSpPr>
       <p:sp>
         <p:nvSpPr>
-          <p:cNvPr id="326" name="Google Shape;326;g13b513626ce_0_876:notes"/>
+          <p:cNvPr id="328" name="Google Shape;328;g13b513626ce_0_871:notes"/>
           <p:cNvSpPr/>
           <p:nvPr>
             <p:ph idx="2" type="sldImg"/>
@@ -2554,7 +2654,7 @@
       </p:sp>
       <p:sp>
         <p:nvSpPr>
-          <p:cNvPr id="327" name="Google Shape;327;g13b513626ce_0_876:notes"/>
+          <p:cNvPr id="329" name="Google Shape;329;g13b513626ce_0_871:notes"/>
           <p:cNvSpPr txBox="1"/>
           <p:nvPr>
             <p:ph idx="1" type="body"/>
@@ -16980,7 +17080,7 @@
   <p:cSld>
     <p:spTree>
       <p:nvGrpSpPr>
-        <p:cNvPr id="334" name="Shape 334"/>
+        <p:cNvPr id="336" name="Shape 336"/>
         <p:cNvGrpSpPr/>
         <p:nvPr/>
       </p:nvGrpSpPr>
@@ -16994,7 +17094,7 @@
       </p:grpSpPr>
       <p:sp>
         <p:nvSpPr>
-          <p:cNvPr id="335" name="Google Shape;335;p22"/>
+          <p:cNvPr id="337" name="Google Shape;337;p22"/>
           <p:cNvSpPr txBox="1"/>
           <p:nvPr>
             <p:ph type="title"/>
@@ -17026,7 +17126,7 @@
             </a:pPr>
             <a:r>
               <a:rPr lang="en"/>
-              <a:t>Rezultati - linearna regresija</a:t>
+              <a:t>Rezultati</a:t>
             </a:r>
             <a:endParaRPr/>
           </a:p>
@@ -17034,7 +17134,7 @@
       </p:sp>
       <p:sp>
         <p:nvSpPr>
-          <p:cNvPr id="336" name="Google Shape;336;p22"/>
+          <p:cNvPr id="338" name="Google Shape;338;p22"/>
           <p:cNvSpPr txBox="1"/>
           <p:nvPr>
             <p:ph idx="1" type="body"/>
@@ -17056,6 +17156,9 @@
           <a:lstStyle/>
           <a:p>
             <a:pPr indent="0" lvl="0" marL="0" rtl="0" algn="l">
+              <a:lnSpc>
+                <a:spcPct val="100000"/>
+              </a:lnSpc>
               <a:spcBef>
                 <a:spcPts val="0"/>
               </a:spcBef>
@@ -17065,15 +17168,145 @@
               <a:buNone/>
             </a:pPr>
             <a:r>
-              <a:rPr lang="en"/>
-              <a:t>MAE = 0.118 (za oba dataseta)</a:t>
+              <a:rPr lang="en">
+                <a:solidFill>
+                  <a:srgbClr val="000000"/>
+                </a:solidFill>
+                <a:highlight>
+                  <a:srgbClr val="FFFFFF"/>
+                </a:highlight>
+              </a:rPr>
+              <a:t>Sve modele smo trenirali na početnih 70% podataka, a testirali na završnih 30% podataka. </a:t>
             </a:r>
-            <a:endParaRPr/>
+            <a:endParaRPr>
+              <a:solidFill>
+                <a:srgbClr val="000000"/>
+              </a:solidFill>
+              <a:highlight>
+                <a:srgbClr val="FFFFFF"/>
+              </a:highlight>
+            </a:endParaRPr>
           </a:p>
           <a:p>
             <a:pPr indent="0" lvl="0" marL="0" rtl="0" algn="l">
-              <a:spcBef>
-                <a:spcPts val="1200"/>
+              <a:lnSpc>
+                <a:spcPct val="100000"/>
+              </a:lnSpc>
+              <a:spcBef>
+                <a:spcPts val="0"/>
+              </a:spcBef>
+              <a:spcAft>
+                <a:spcPts val="0"/>
+              </a:spcAft>
+              <a:buNone/>
+            </a:pPr>
+            <a:r>
+              <a:t/>
+            </a:r>
+            <a:endParaRPr>
+              <a:solidFill>
+                <a:srgbClr val="000000"/>
+              </a:solidFill>
+              <a:highlight>
+                <a:srgbClr val="FFFFFF"/>
+              </a:highlight>
+            </a:endParaRPr>
+          </a:p>
+          <a:p>
+            <a:pPr indent="0" lvl="0" marL="0" rtl="0" algn="l">
+              <a:lnSpc>
+                <a:spcPct val="100000"/>
+              </a:lnSpc>
+              <a:spcBef>
+                <a:spcPts val="0"/>
+              </a:spcBef>
+              <a:spcAft>
+                <a:spcPts val="0"/>
+              </a:spcAft>
+              <a:buNone/>
+            </a:pPr>
+            <a:r>
+              <a:rPr lang="en">
+                <a:solidFill>
+                  <a:srgbClr val="000000"/>
+                </a:solidFill>
+                <a:highlight>
+                  <a:srgbClr val="FFFFFF"/>
+                </a:highlight>
+              </a:rPr>
+              <a:t>Kod metoda koje ne koriste datum smo još napravili i K-struku unakrsnu validaciju kako bismo potvrdili rezultate, no modele smo međusobno uspoređivali na temelju rezultata na završnih 30% podataka. </a:t>
+            </a:r>
+            <a:endParaRPr>
+              <a:solidFill>
+                <a:srgbClr val="000000"/>
+              </a:solidFill>
+              <a:highlight>
+                <a:srgbClr val="FFFFFF"/>
+              </a:highlight>
+            </a:endParaRPr>
+          </a:p>
+          <a:p>
+            <a:pPr indent="0" lvl="0" marL="0" rtl="0" algn="l">
+              <a:lnSpc>
+                <a:spcPct val="100000"/>
+              </a:lnSpc>
+              <a:spcBef>
+                <a:spcPts val="0"/>
+              </a:spcBef>
+              <a:spcAft>
+                <a:spcPts val="0"/>
+              </a:spcAft>
+              <a:buNone/>
+            </a:pPr>
+            <a:r>
+              <a:t/>
+            </a:r>
+            <a:endParaRPr>
+              <a:solidFill>
+                <a:srgbClr val="000000"/>
+              </a:solidFill>
+              <a:highlight>
+                <a:srgbClr val="FFFFFF"/>
+              </a:highlight>
+            </a:endParaRPr>
+          </a:p>
+          <a:p>
+            <a:pPr indent="0" lvl="0" marL="0" rtl="0" algn="l">
+              <a:lnSpc>
+                <a:spcPct val="100000"/>
+              </a:lnSpc>
+              <a:spcBef>
+                <a:spcPts val="0"/>
+              </a:spcBef>
+              <a:spcAft>
+                <a:spcPts val="0"/>
+              </a:spcAft>
+              <a:buNone/>
+            </a:pPr>
+            <a:r>
+              <a:rPr lang="en">
+                <a:solidFill>
+                  <a:srgbClr val="000000"/>
+                </a:solidFill>
+                <a:highlight>
+                  <a:srgbClr val="FFFFFF"/>
+                </a:highlight>
+              </a:rPr>
+              <a:t>Koristili smo prosječnu apsolutnu grešku za metriku. Računali smo je na skaliranim podacima jer nam je bitno jedino da možemo uspoređivati modele međusobno, a i radi jednostavnosti.</a:t>
+            </a:r>
+            <a:endParaRPr>
+              <a:solidFill>
+                <a:srgbClr val="000000"/>
+              </a:solidFill>
+              <a:highlight>
+                <a:srgbClr val="FFFFFF"/>
+              </a:highlight>
+            </a:endParaRPr>
+          </a:p>
+          <a:p>
+            <a:pPr indent="0" lvl="0" marL="0" rtl="0" algn="l">
+              <a:spcBef>
+                <a:spcPts val="0"/>
               </a:spcBef>
               <a:spcAft>
                 <a:spcPts val="1200"/>
@@ -17087,62 +17320,6 @@
           </a:p>
         </p:txBody>
       </p:sp>
-      <p:pic>
-        <p:nvPicPr>
-          <p:cNvPr id="337" name="Google Shape;337;p22"/>
-          <p:cNvPicPr preferRelativeResize="0"/>
-          <p:nvPr/>
-        </p:nvPicPr>
-        <p:blipFill>
-          <a:blip r:embed="rId3">
-            <a:alphaModFix/>
-          </a:blip>
-          <a:stretch>
-            <a:fillRect/>
-          </a:stretch>
-        </p:blipFill>
-        <p:spPr>
-          <a:xfrm>
-            <a:off x="409575" y="2590800"/>
-            <a:ext cx="4162425" cy="2286000"/>
-          </a:xfrm>
-          <a:prstGeom prst="rect">
-            <a:avLst/>
-          </a:prstGeom>
-          <a:noFill/>
-          <a:ln>
-            <a:noFill/>
-          </a:ln>
-        </p:spPr>
-      </p:pic>
-      <p:pic>
-        <p:nvPicPr>
-          <p:cNvPr id="338" name="Google Shape;338;p22"/>
-          <p:cNvPicPr preferRelativeResize="0"/>
-          <p:nvPr/>
-        </p:nvPicPr>
-        <p:blipFill>
-          <a:blip r:embed="rId4">
-            <a:alphaModFix/>
-          </a:blip>
-          <a:stretch>
-            <a:fillRect/>
-          </a:stretch>
-        </p:blipFill>
-        <p:spPr>
-          <a:xfrm>
-            <a:off x="4572000" y="2590800"/>
-            <a:ext cx="4162425" cy="2266950"/>
-          </a:xfrm>
-          <a:prstGeom prst="rect">
-            <a:avLst/>
-          </a:prstGeom>
-          <a:noFill/>
-          <a:ln>
-            <a:noFill/>
-          </a:ln>
-        </p:spPr>
-      </p:pic>
     </p:spTree>
   </p:cSld>
   <p:clrMapOvr>
@@ -17202,7 +17379,7 @@
             </a:pPr>
             <a:r>
               <a:rPr lang="en"/>
-              <a:t>Rezultati - SVM regresija</a:t>
+              <a:t>Rezultati - linearna regresija</a:t>
             </a:r>
             <a:endParaRPr/>
           </a:p>
@@ -17242,14 +17419,7 @@
             </a:pPr>
             <a:r>
               <a:rPr lang="en"/>
-              <a:t>Radial basic function(RBF), epsilon = 0.07 i C = 3</a:t>
-            </a:r>
-            <a:br>
-              <a:rPr lang="en"/>
-            </a:br>
-            <a:r>
-              <a:rPr lang="en"/>
-              <a:t>MAE = 0.116(za oba dataseta)</a:t>
+              <a:t>MAE = 0.118 (za oba dataseta)</a:t>
             </a:r>
             <a:endParaRPr/>
           </a:p>
@@ -17314,8 +17484,8 @@
         </p:blipFill>
         <p:spPr>
           <a:xfrm>
-            <a:off x="4678325" y="2623350"/>
-            <a:ext cx="4043889" cy="2220900"/>
+            <a:off x="4572000" y="2590800"/>
+            <a:ext cx="4162425" cy="2266950"/>
           </a:xfrm>
           <a:prstGeom prst="rect">
             <a:avLst/>
@@ -17385,7 +17555,7 @@
             </a:pPr>
             <a:r>
               <a:rPr lang="en"/>
-              <a:t>Rezultati - XGBoost</a:t>
+              <a:t>Rezultati - SVM regresija</a:t>
             </a:r>
             <a:endParaRPr/>
           </a:p>
@@ -17419,20 +17589,35 @@
                 <a:spcPts val="0"/>
               </a:spcBef>
               <a:spcAft>
-                <a:spcPts val="1200"/>
+                <a:spcPts val="0"/>
               </a:spcAft>
               <a:buNone/>
             </a:pPr>
             <a:r>
               <a:rPr lang="en"/>
-              <a:t>Defaultni parametri </a:t>
+              <a:t>Radial basic function(RBF), epsilon = 0.07 i C = 3</a:t>
             </a:r>
             <a:br>
               <a:rPr lang="en"/>
             </a:br>
             <a:r>
               <a:rPr lang="en"/>
-              <a:t>MAE = 0.12(za oba dataseta)</a:t>
+              <a:t>MAE = 0.116(za oba dataseta)</a:t>
+            </a:r>
+            <a:endParaRPr/>
+          </a:p>
+          <a:p>
+            <a:pPr indent="0" lvl="0" marL="0" rtl="0" algn="l">
+              <a:spcBef>
+                <a:spcPts val="1200"/>
+              </a:spcBef>
+              <a:spcAft>
+                <a:spcPts val="1200"/>
+              </a:spcAft>
+              <a:buNone/>
+            </a:pPr>
+            <a:r>
+              <a:t/>
             </a:r>
             <a:endParaRPr/>
           </a:p>
@@ -17482,8 +17667,8 @@
         </p:blipFill>
         <p:spPr>
           <a:xfrm>
-            <a:off x="4676600" y="2615538"/>
-            <a:ext cx="4072351" cy="2236531"/>
+            <a:off x="4678325" y="2623350"/>
+            <a:ext cx="4043889" cy="2220900"/>
           </a:xfrm>
           <a:prstGeom prst="rect">
             <a:avLst/>
@@ -17553,7 +17738,7 @@
             </a:pPr>
             <a:r>
               <a:rPr lang="en"/>
-              <a:t>Rezultati - XGBoost(time series)</a:t>
+              <a:t>Rezultati - XGBoost</a:t>
             </a:r>
             <a:endParaRPr/>
           </a:p>
@@ -17593,14 +17778,14 @@
             </a:pPr>
             <a:r>
               <a:rPr lang="en"/>
-              <a:t>Defaultni parametri</a:t>
+              <a:t>Defaultni parametri </a:t>
             </a:r>
             <a:br>
               <a:rPr lang="en"/>
             </a:br>
             <a:r>
               <a:rPr lang="en"/>
-              <a:t>MAE = 0.103 prvi dataset, MAE = 0.102 drugi dataset</a:t>
+              <a:t>MAE = 0.12(za oba dataseta)</a:t>
             </a:r>
             <a:endParaRPr/>
           </a:p>
@@ -17650,8 +17835,8 @@
         </p:blipFill>
         <p:spPr>
           <a:xfrm>
-            <a:off x="4607750" y="2590800"/>
-            <a:ext cx="4287466" cy="2285994"/>
+            <a:off x="4676600" y="2615538"/>
+            <a:ext cx="4072351" cy="2236531"/>
           </a:xfrm>
           <a:prstGeom prst="rect">
             <a:avLst/>
@@ -17721,7 +17906,7 @@
             </a:pPr>
             <a:r>
               <a:rPr lang="en"/>
-              <a:t>Rezultati - neuronske mreže</a:t>
+              <a:t>Rezultati - XGBoost(time series)</a:t>
             </a:r>
             <a:endParaRPr/>
           </a:p>
@@ -17755,165 +17940,20 @@
                 <a:spcPts val="0"/>
               </a:spcBef>
               <a:spcAft>
-                <a:spcPts val="0"/>
+                <a:spcPts val="1200"/>
               </a:spcAft>
               <a:buNone/>
             </a:pPr>
             <a:r>
               <a:rPr lang="en"/>
-              <a:t>LSTM s jednim slojem -&gt; MAE prvog </a:t>
+              <a:t>Defaultni parametri</a:t>
             </a:r>
+            <a:br>
+              <a:rPr lang="en"/>
+            </a:br>
             <a:r>
               <a:rPr lang="en"/>
-              <a:t>dataseta</a:t>
-            </a:r>
-            <a:r>
-              <a:rPr lang="en"/>
-              <a:t> 0.099, MAE drugog dataseta 0.097</a:t>
-            </a:r>
-            <a:endParaRPr/>
-          </a:p>
-          <a:p>
-            <a:pPr indent="0" lvl="0" marL="0" rtl="0" algn="l">
-              <a:spcBef>
-                <a:spcPts val="1200"/>
-              </a:spcBef>
-              <a:spcAft>
-                <a:spcPts val="0"/>
-              </a:spcAft>
-              <a:buNone/>
-            </a:pPr>
-            <a:r>
-              <a:rPr lang="en"/>
-              <a:t>LSTM s dva sloja -&gt; MAE prvog dataseta 0.097, MAE drugog dataseta 0.099</a:t>
-            </a:r>
-            <a:endParaRPr/>
-          </a:p>
-          <a:p>
-            <a:pPr indent="0" lvl="0" marL="0" rtl="0" algn="l">
-              <a:spcBef>
-                <a:spcPts val="1200"/>
-              </a:spcBef>
-              <a:spcAft>
-                <a:spcPts val="1200"/>
-              </a:spcAft>
-              <a:buNone/>
-            </a:pPr>
-            <a:r>
-              <a:rPr lang="en"/>
-              <a:t>LSTM s tri sloja -&gt; MAE prvog dataseta 0.097, MAE drugog dataseta 0.1</a:t>
-            </a:r>
-            <a:endParaRPr/>
-          </a:p>
-        </p:txBody>
-      </p:sp>
-    </p:spTree>
-  </p:cSld>
-  <p:clrMapOvr>
-    <a:masterClrMapping/>
-  </p:clrMapOvr>
-</p:sld>
-</file>
-
-<file path=ppt/slides/slide15.xml><?xml version="1.0" encoding="utf-8"?>
-<p:sld xmlns:a="http://schemas.openxmlformats.org/drawingml/2006/main" xmlns:r="http://schemas.openxmlformats.org/officeDocument/2006/relationships" xmlns:mc="http://schemas.openxmlformats.org/markup-compatibility/2006" xmlns:mv="urn:schemas-microsoft-com:mac:vml" xmlns:p="http://schemas.openxmlformats.org/presentationml/2006/main" xmlns:c="http://schemas.openxmlformats.org/drawingml/2006/chart" xmlns:dgm="http://schemas.openxmlformats.org/drawingml/2006/diagram" xmlns:o="urn:schemas-microsoft-com:office:office" xmlns:v="urn:schemas-microsoft-com:vml" xmlns:pvml="urn:schemas-microsoft-com:office:powerpoint" xmlns:com="http://schemas.openxmlformats.org/drawingml/2006/compatibility" xmlns:p14="http://schemas.microsoft.com/office/powerpoint/2010/main" xmlns:p15="http://schemas.microsoft.com/office/powerpoint/2012/main" xmlns:ahyp="http://schemas.microsoft.com/office/drawing/2018/hyperlinkcolor">
-  <p:cSld>
-    <p:spTree>
-      <p:nvGrpSpPr>
-        <p:cNvPr id="372" name="Shape 372"/>
-        <p:cNvGrpSpPr/>
-        <p:nvPr/>
-      </p:nvGrpSpPr>
-      <p:grpSpPr>
-        <a:xfrm>
-          <a:off x="0" y="0"/>
-          <a:ext cx="0" cy="0"/>
-          <a:chOff x="0" y="0"/>
-          <a:chExt cx="0" cy="0"/>
-        </a:xfrm>
-      </p:grpSpPr>
-      <p:sp>
-        <p:nvSpPr>
-          <p:cNvPr id="373" name="Google Shape;373;p27"/>
-          <p:cNvSpPr txBox="1"/>
-          <p:nvPr>
-            <p:ph type="title"/>
-          </p:nvPr>
-        </p:nvSpPr>
-        <p:spPr>
-          <a:xfrm>
-            <a:off x="1303800" y="598575"/>
-            <a:ext cx="7030500" cy="999300"/>
-          </a:xfrm>
-          <a:prstGeom prst="rect">
-            <a:avLst/>
-          </a:prstGeom>
-        </p:spPr>
-        <p:txBody>
-          <a:bodyPr anchorCtr="0" anchor="t" bIns="91425" lIns="91425" spcFirstLastPara="1" rIns="91425" wrap="square" tIns="91425">
-            <a:normAutofit/>
-          </a:bodyPr>
-          <a:lstStyle/>
-          <a:p>
-            <a:pPr indent="0" lvl="0" marL="0" rtl="0" algn="l">
-              <a:spcBef>
-                <a:spcPts val="0"/>
-              </a:spcBef>
-              <a:spcAft>
-                <a:spcPts val="0"/>
-              </a:spcAft>
-              <a:buNone/>
-            </a:pPr>
-            <a:r>
-              <a:rPr lang="en"/>
-              <a:t>Rezultati - neuronske mreže</a:t>
-            </a:r>
-            <a:endParaRPr/>
-          </a:p>
-        </p:txBody>
-      </p:sp>
-      <p:sp>
-        <p:nvSpPr>
-          <p:cNvPr id="374" name="Google Shape;374;p27"/>
-          <p:cNvSpPr txBox="1"/>
-          <p:nvPr>
-            <p:ph idx="1" type="body"/>
-          </p:nvPr>
-        </p:nvSpPr>
-        <p:spPr>
-          <a:xfrm>
-            <a:off x="1303800" y="1990050"/>
-            <a:ext cx="7030500" cy="2541600"/>
-          </a:xfrm>
-          <a:prstGeom prst="rect">
-            <a:avLst/>
-          </a:prstGeom>
-        </p:spPr>
-        <p:txBody>
-          <a:bodyPr anchorCtr="0" anchor="t" bIns="91425" lIns="91425" spcFirstLastPara="1" rIns="91425" wrap="square" tIns="91425">
-            <a:normAutofit/>
-          </a:bodyPr>
-          <a:lstStyle/>
-          <a:p>
-            <a:pPr indent="0" lvl="0" marL="0" rtl="0" algn="l">
-              <a:lnSpc>
-                <a:spcPct val="100000"/>
-              </a:lnSpc>
-              <a:spcBef>
-                <a:spcPts val="0"/>
-              </a:spcBef>
-              <a:spcAft>
-                <a:spcPts val="0"/>
-              </a:spcAft>
-              <a:buNone/>
-            </a:pPr>
-            <a:r>
-              <a:rPr lang="en" sz="1400">
-                <a:solidFill>
-                  <a:srgbClr val="000000"/>
-                </a:solidFill>
-              </a:rPr>
-              <a:t>Predviđanje LSTM mreže s jednim slojem</a:t>
+              <a:t>MAE = 0.103 prvi dataset, MAE = 0.102 drugi dataset</a:t>
             </a:r>
             <a:endParaRPr/>
           </a:p>
@@ -17921,7 +17961,7 @@
       </p:sp>
       <p:pic>
         <p:nvPicPr>
-          <p:cNvPr id="375" name="Google Shape;375;p27"/>
+          <p:cNvPr id="369" name="Google Shape;369;p26"/>
           <p:cNvPicPr preferRelativeResize="0"/>
           <p:nvPr/>
         </p:nvPicPr>
@@ -17949,7 +17989,7 @@
       </p:pic>
       <p:pic>
         <p:nvPicPr>
-          <p:cNvPr id="376" name="Google Shape;376;p27"/>
+          <p:cNvPr id="370" name="Google Shape;370;p26"/>
           <p:cNvPicPr preferRelativeResize="0"/>
           <p:nvPr/>
         </p:nvPicPr>
@@ -17963,8 +18003,8 @@
         </p:blipFill>
         <p:spPr>
           <a:xfrm>
-            <a:off x="4776550" y="2590800"/>
-            <a:ext cx="4287475" cy="2285999"/>
+            <a:off x="4607750" y="2590800"/>
+            <a:ext cx="4287466" cy="2285994"/>
           </a:xfrm>
           <a:prstGeom prst="rect">
             <a:avLst/>
@@ -17975,6 +18015,151 @@
           </a:ln>
         </p:spPr>
       </p:pic>
+    </p:spTree>
+  </p:cSld>
+  <p:clrMapOvr>
+    <a:masterClrMapping/>
+  </p:clrMapOvr>
+</p:sld>
+</file>
+
+<file path=ppt/slides/slide15.xml><?xml version="1.0" encoding="utf-8"?>
+<p:sld xmlns:a="http://schemas.openxmlformats.org/drawingml/2006/main" xmlns:r="http://schemas.openxmlformats.org/officeDocument/2006/relationships" xmlns:mc="http://schemas.openxmlformats.org/markup-compatibility/2006" xmlns:mv="urn:schemas-microsoft-com:mac:vml" xmlns:p="http://schemas.openxmlformats.org/presentationml/2006/main" xmlns:c="http://schemas.openxmlformats.org/drawingml/2006/chart" xmlns:dgm="http://schemas.openxmlformats.org/drawingml/2006/diagram" xmlns:o="urn:schemas-microsoft-com:office:office" xmlns:v="urn:schemas-microsoft-com:vml" xmlns:pvml="urn:schemas-microsoft-com:office:powerpoint" xmlns:com="http://schemas.openxmlformats.org/drawingml/2006/compatibility" xmlns:p14="http://schemas.microsoft.com/office/powerpoint/2010/main" xmlns:p15="http://schemas.microsoft.com/office/powerpoint/2012/main" xmlns:ahyp="http://schemas.microsoft.com/office/drawing/2018/hyperlinkcolor">
+  <p:cSld>
+    <p:spTree>
+      <p:nvGrpSpPr>
+        <p:cNvPr id="374" name="Shape 374"/>
+        <p:cNvGrpSpPr/>
+        <p:nvPr/>
+      </p:nvGrpSpPr>
+      <p:grpSpPr>
+        <a:xfrm>
+          <a:off x="0" y="0"/>
+          <a:ext cx="0" cy="0"/>
+          <a:chOff x="0" y="0"/>
+          <a:chExt cx="0" cy="0"/>
+        </a:xfrm>
+      </p:grpSpPr>
+      <p:sp>
+        <p:nvSpPr>
+          <p:cNvPr id="375" name="Google Shape;375;p27"/>
+          <p:cNvSpPr txBox="1"/>
+          <p:nvPr>
+            <p:ph type="title"/>
+          </p:nvPr>
+        </p:nvSpPr>
+        <p:spPr>
+          <a:xfrm>
+            <a:off x="1303800" y="598575"/>
+            <a:ext cx="7030500" cy="999300"/>
+          </a:xfrm>
+          <a:prstGeom prst="rect">
+            <a:avLst/>
+          </a:prstGeom>
+        </p:spPr>
+        <p:txBody>
+          <a:bodyPr anchorCtr="0" anchor="t" bIns="91425" lIns="91425" spcFirstLastPara="1" rIns="91425" wrap="square" tIns="91425">
+            <a:normAutofit/>
+          </a:bodyPr>
+          <a:lstStyle/>
+          <a:p>
+            <a:pPr indent="0" lvl="0" marL="0" rtl="0" algn="l">
+              <a:spcBef>
+                <a:spcPts val="0"/>
+              </a:spcBef>
+              <a:spcAft>
+                <a:spcPts val="0"/>
+              </a:spcAft>
+              <a:buNone/>
+            </a:pPr>
+            <a:r>
+              <a:rPr lang="en"/>
+              <a:t>Rezultati - neuronske mreže</a:t>
+            </a:r>
+            <a:endParaRPr/>
+          </a:p>
+        </p:txBody>
+      </p:sp>
+      <p:sp>
+        <p:nvSpPr>
+          <p:cNvPr id="376" name="Google Shape;376;p27"/>
+          <p:cNvSpPr txBox="1"/>
+          <p:nvPr>
+            <p:ph idx="1" type="body"/>
+          </p:nvPr>
+        </p:nvSpPr>
+        <p:spPr>
+          <a:xfrm>
+            <a:off x="1303800" y="1990050"/>
+            <a:ext cx="7030500" cy="2541600"/>
+          </a:xfrm>
+          <a:prstGeom prst="rect">
+            <a:avLst/>
+          </a:prstGeom>
+        </p:spPr>
+        <p:txBody>
+          <a:bodyPr anchorCtr="0" anchor="t" bIns="91425" lIns="91425" spcFirstLastPara="1" rIns="91425" wrap="square" tIns="91425">
+            <a:normAutofit/>
+          </a:bodyPr>
+          <a:lstStyle/>
+          <a:p>
+            <a:pPr indent="0" lvl="0" marL="0" rtl="0" algn="l">
+              <a:spcBef>
+                <a:spcPts val="0"/>
+              </a:spcBef>
+              <a:spcAft>
+                <a:spcPts val="0"/>
+              </a:spcAft>
+              <a:buNone/>
+            </a:pPr>
+            <a:r>
+              <a:rPr lang="en"/>
+              <a:t>LSTM s jednim slojem -&gt; MAE prvog </a:t>
+            </a:r>
+            <a:r>
+              <a:rPr lang="en"/>
+              <a:t>dataseta</a:t>
+            </a:r>
+            <a:r>
+              <a:rPr lang="en"/>
+              <a:t> 0.099, MAE drugog dataseta 0.097</a:t>
+            </a:r>
+            <a:endParaRPr/>
+          </a:p>
+          <a:p>
+            <a:pPr indent="0" lvl="0" marL="0" rtl="0" algn="l">
+              <a:spcBef>
+                <a:spcPts val="1200"/>
+              </a:spcBef>
+              <a:spcAft>
+                <a:spcPts val="0"/>
+              </a:spcAft>
+              <a:buNone/>
+            </a:pPr>
+            <a:r>
+              <a:rPr lang="en"/>
+              <a:t>LSTM s dva sloja -&gt; MAE prvog dataseta 0.097, MAE drugog dataseta 0.099</a:t>
+            </a:r>
+            <a:endParaRPr/>
+          </a:p>
+          <a:p>
+            <a:pPr indent="0" lvl="0" marL="0" rtl="0" algn="l">
+              <a:spcBef>
+                <a:spcPts val="1200"/>
+              </a:spcBef>
+              <a:spcAft>
+                <a:spcPts val="1200"/>
+              </a:spcAft>
+              <a:buNone/>
+            </a:pPr>
+            <a:r>
+              <a:rPr lang="en"/>
+              <a:t>LSTM s tri sloja -&gt; MAE prvog dataseta 0.097, MAE drugog dataseta 0.1</a:t>
+            </a:r>
+            <a:endParaRPr/>
+          </a:p>
+        </p:txBody>
+      </p:sp>
     </p:spTree>
   </p:cSld>
   <p:clrMapOvr>
@@ -18034,7 +18219,7 @@
             </a:pPr>
             <a:r>
               <a:rPr lang="en"/>
-              <a:t>Rezultati - VAR</a:t>
+              <a:t>Rezultati - neuronske mreže</a:t>
             </a:r>
             <a:endParaRPr/>
           </a:p>
@@ -18064,17 +18249,24 @@
           <a:lstStyle/>
           <a:p>
             <a:pPr indent="0" lvl="0" marL="0" rtl="0" algn="l">
-              <a:spcBef>
-                <a:spcPts val="0"/>
-              </a:spcBef>
-              <a:spcAft>
-                <a:spcPts val="1200"/>
+              <a:lnSpc>
+                <a:spcPct val="100000"/>
+              </a:lnSpc>
+              <a:spcBef>
+                <a:spcPts val="0"/>
+              </a:spcBef>
+              <a:spcAft>
+                <a:spcPts val="0"/>
               </a:spcAft>
               <a:buNone/>
             </a:pPr>
             <a:r>
-              <a:rPr lang="en"/>
-              <a:t>MAE = 0.098 na oba dataseta</a:t>
+              <a:rPr lang="en" sz="1400">
+                <a:solidFill>
+                  <a:srgbClr val="000000"/>
+                </a:solidFill>
+              </a:rPr>
+              <a:t>Predviđanje LSTM mreže s jednim slojem</a:t>
             </a:r>
             <a:endParaRPr/>
           </a:p>
@@ -18124,8 +18316,8 @@
         </p:blipFill>
         <p:spPr>
           <a:xfrm>
-            <a:off x="4845750" y="2590800"/>
-            <a:ext cx="4162425" cy="2286000"/>
+            <a:off x="4776550" y="2590800"/>
+            <a:ext cx="4287475" cy="2285999"/>
           </a:xfrm>
           <a:prstGeom prst="rect">
             <a:avLst/>
@@ -18195,6 +18387,167 @@
             </a:pPr>
             <a:r>
               <a:rPr lang="en"/>
+              <a:t>Rezultati - VAR</a:t>
+            </a:r>
+            <a:endParaRPr/>
+          </a:p>
+        </p:txBody>
+      </p:sp>
+      <p:sp>
+        <p:nvSpPr>
+          <p:cNvPr id="390" name="Google Shape;390;p29"/>
+          <p:cNvSpPr txBox="1"/>
+          <p:nvPr>
+            <p:ph idx="1" type="body"/>
+          </p:nvPr>
+        </p:nvSpPr>
+        <p:spPr>
+          <a:xfrm>
+            <a:off x="1303800" y="1990050"/>
+            <a:ext cx="7030500" cy="2541600"/>
+          </a:xfrm>
+          <a:prstGeom prst="rect">
+            <a:avLst/>
+          </a:prstGeom>
+        </p:spPr>
+        <p:txBody>
+          <a:bodyPr anchorCtr="0" anchor="t" bIns="91425" lIns="91425" spcFirstLastPara="1" rIns="91425" wrap="square" tIns="91425">
+            <a:normAutofit/>
+          </a:bodyPr>
+          <a:lstStyle/>
+          <a:p>
+            <a:pPr indent="0" lvl="0" marL="0" rtl="0" algn="l">
+              <a:spcBef>
+                <a:spcPts val="0"/>
+              </a:spcBef>
+              <a:spcAft>
+                <a:spcPts val="1200"/>
+              </a:spcAft>
+              <a:buNone/>
+            </a:pPr>
+            <a:r>
+              <a:rPr lang="en"/>
+              <a:t>MAE = 0.098 na oba dataseta</a:t>
+            </a:r>
+            <a:endParaRPr/>
+          </a:p>
+        </p:txBody>
+      </p:sp>
+      <p:pic>
+        <p:nvPicPr>
+          <p:cNvPr id="391" name="Google Shape;391;p29"/>
+          <p:cNvPicPr preferRelativeResize="0"/>
+          <p:nvPr/>
+        </p:nvPicPr>
+        <p:blipFill>
+          <a:blip r:embed="rId3">
+            <a:alphaModFix/>
+          </a:blip>
+          <a:stretch>
+            <a:fillRect/>
+          </a:stretch>
+        </p:blipFill>
+        <p:spPr>
+          <a:xfrm>
+            <a:off x="409575" y="2590800"/>
+            <a:ext cx="4162425" cy="2286000"/>
+          </a:xfrm>
+          <a:prstGeom prst="rect">
+            <a:avLst/>
+          </a:prstGeom>
+          <a:noFill/>
+          <a:ln>
+            <a:noFill/>
+          </a:ln>
+        </p:spPr>
+      </p:pic>
+      <p:pic>
+        <p:nvPicPr>
+          <p:cNvPr id="392" name="Google Shape;392;p29"/>
+          <p:cNvPicPr preferRelativeResize="0"/>
+          <p:nvPr/>
+        </p:nvPicPr>
+        <p:blipFill>
+          <a:blip r:embed="rId4">
+            <a:alphaModFix/>
+          </a:blip>
+          <a:stretch>
+            <a:fillRect/>
+          </a:stretch>
+        </p:blipFill>
+        <p:spPr>
+          <a:xfrm>
+            <a:off x="4845750" y="2590800"/>
+            <a:ext cx="4162425" cy="2286000"/>
+          </a:xfrm>
+          <a:prstGeom prst="rect">
+            <a:avLst/>
+          </a:prstGeom>
+          <a:noFill/>
+          <a:ln>
+            <a:noFill/>
+          </a:ln>
+        </p:spPr>
+      </p:pic>
+    </p:spTree>
+  </p:cSld>
+  <p:clrMapOvr>
+    <a:masterClrMapping/>
+  </p:clrMapOvr>
+</p:sld>
+</file>
+
+<file path=ppt/slides/slide18.xml><?xml version="1.0" encoding="utf-8"?>
+<p:sld xmlns:a="http://schemas.openxmlformats.org/drawingml/2006/main" xmlns:r="http://schemas.openxmlformats.org/officeDocument/2006/relationships" xmlns:mc="http://schemas.openxmlformats.org/markup-compatibility/2006" xmlns:mv="urn:schemas-microsoft-com:mac:vml" xmlns:p="http://schemas.openxmlformats.org/presentationml/2006/main" xmlns:c="http://schemas.openxmlformats.org/drawingml/2006/chart" xmlns:dgm="http://schemas.openxmlformats.org/drawingml/2006/diagram" xmlns:o="urn:schemas-microsoft-com:office:office" xmlns:v="urn:schemas-microsoft-com:vml" xmlns:pvml="urn:schemas-microsoft-com:office:powerpoint" xmlns:com="http://schemas.openxmlformats.org/drawingml/2006/compatibility" xmlns:p14="http://schemas.microsoft.com/office/powerpoint/2010/main" xmlns:p15="http://schemas.microsoft.com/office/powerpoint/2012/main" xmlns:ahyp="http://schemas.microsoft.com/office/drawing/2018/hyperlinkcolor">
+  <p:cSld>
+    <p:spTree>
+      <p:nvGrpSpPr>
+        <p:cNvPr id="396" name="Shape 396"/>
+        <p:cNvGrpSpPr/>
+        <p:nvPr/>
+      </p:nvGrpSpPr>
+      <p:grpSpPr>
+        <a:xfrm>
+          <a:off x="0" y="0"/>
+          <a:ext cx="0" cy="0"/>
+          <a:chOff x="0" y="0"/>
+          <a:chExt cx="0" cy="0"/>
+        </a:xfrm>
+      </p:grpSpPr>
+      <p:sp>
+        <p:nvSpPr>
+          <p:cNvPr id="397" name="Google Shape;397;p30"/>
+          <p:cNvSpPr txBox="1"/>
+          <p:nvPr>
+            <p:ph type="title"/>
+          </p:nvPr>
+        </p:nvSpPr>
+        <p:spPr>
+          <a:xfrm>
+            <a:off x="1303800" y="598575"/>
+            <a:ext cx="7030500" cy="999300"/>
+          </a:xfrm>
+          <a:prstGeom prst="rect">
+            <a:avLst/>
+          </a:prstGeom>
+        </p:spPr>
+        <p:txBody>
+          <a:bodyPr anchorCtr="0" anchor="t" bIns="91425" lIns="91425" spcFirstLastPara="1" rIns="91425" wrap="square" tIns="91425">
+            <a:normAutofit/>
+          </a:bodyPr>
+          <a:lstStyle/>
+          <a:p>
+            <a:pPr indent="0" lvl="0" marL="0" rtl="0" algn="l">
+              <a:spcBef>
+                <a:spcPts val="0"/>
+              </a:spcBef>
+              <a:spcAft>
+                <a:spcPts val="0"/>
+              </a:spcAft>
+              <a:buNone/>
+            </a:pPr>
+            <a:r>
+              <a:rPr lang="en"/>
               <a:t>Rezultati</a:t>
             </a:r>
             <a:endParaRPr/>
@@ -18203,7 +18556,7 @@
       </p:sp>
       <p:graphicFrame>
         <p:nvGraphicFramePr>
-          <p:cNvPr id="390" name="Google Shape;390;p29"/>
+          <p:cNvPr id="398" name="Google Shape;398;p30"/>
           <p:cNvGraphicFramePr/>
           <p:nvPr/>
         </p:nvGraphicFramePr>
@@ -18216,7 +18569,7 @@
             <a:tbl>
               <a:tblPr>
                 <a:noFill/>
-                <a:tableStyleId>{7E93CC36-ED99-4812-A5C4-F2832659B631}</a:tableStyleId>
+                <a:tableStyleId>{E9FBE64A-842C-415E-BA23-F6BB2E5EEF8F}</a:tableStyleId>
               </a:tblPr>
               <a:tblGrid>
                 <a:gridCol w="1850400"/>
@@ -19332,12 +19685,12 @@
 </p:sld>
 </file>
 
-<file path=ppt/slides/slide18.xml><?xml version="1.0" encoding="utf-8"?>
+<file path=ppt/slides/slide19.xml><?xml version="1.0" encoding="utf-8"?>
 <p:sld xmlns:a="http://schemas.openxmlformats.org/drawingml/2006/main" xmlns:r="http://schemas.openxmlformats.org/officeDocument/2006/relationships" xmlns:mc="http://schemas.openxmlformats.org/markup-compatibility/2006" xmlns:mv="urn:schemas-microsoft-com:mac:vml" xmlns:p="http://schemas.openxmlformats.org/presentationml/2006/main" xmlns:c="http://schemas.openxmlformats.org/drawingml/2006/chart" xmlns:dgm="http://schemas.openxmlformats.org/drawingml/2006/diagram" xmlns:o="urn:schemas-microsoft-com:office:office" xmlns:v="urn:schemas-microsoft-com:vml" xmlns:pvml="urn:schemas-microsoft-com:office:powerpoint" xmlns:com="http://schemas.openxmlformats.org/drawingml/2006/compatibility" xmlns:p14="http://schemas.microsoft.com/office/powerpoint/2010/main" xmlns:p15="http://schemas.microsoft.com/office/powerpoint/2012/main" xmlns:ahyp="http://schemas.microsoft.com/office/drawing/2018/hyperlinkcolor">
   <p:cSld>
     <p:spTree>
       <p:nvGrpSpPr>
-        <p:cNvPr id="394" name="Shape 394"/>
+        <p:cNvPr id="402" name="Shape 402"/>
         <p:cNvGrpSpPr/>
         <p:nvPr/>
       </p:nvGrpSpPr>
@@ -19351,7 +19704,7 @@
       </p:grpSpPr>
       <p:sp>
         <p:nvSpPr>
-          <p:cNvPr id="395" name="Google Shape;395;p30"/>
+          <p:cNvPr id="403" name="Google Shape;403;p31"/>
           <p:cNvSpPr txBox="1"/>
           <p:nvPr>
             <p:ph type="title"/>
@@ -19391,7 +19744,7 @@
       </p:sp>
       <p:sp>
         <p:nvSpPr>
-          <p:cNvPr id="396" name="Google Shape;396;p30"/>
+          <p:cNvPr id="404" name="Google Shape;404;p31"/>
           <p:cNvSpPr txBox="1"/>
           <p:nvPr>
             <p:ph idx="1" type="body"/>
@@ -19460,244 +19813,6 @@
             <a:r>
               <a:rPr lang="en"/>
               <a:t>dataseta koja smo koristili.</a:t>
-            </a:r>
-            <a:endParaRPr/>
-          </a:p>
-        </p:txBody>
-      </p:sp>
-    </p:spTree>
-  </p:cSld>
-  <p:clrMapOvr>
-    <a:masterClrMapping/>
-  </p:clrMapOvr>
-</p:sld>
-</file>
-
-<file path=ppt/slides/slide19.xml><?xml version="1.0" encoding="utf-8"?>
-<p:sld xmlns:a="http://schemas.openxmlformats.org/drawingml/2006/main" xmlns:r="http://schemas.openxmlformats.org/officeDocument/2006/relationships" xmlns:mc="http://schemas.openxmlformats.org/markup-compatibility/2006" xmlns:mv="urn:schemas-microsoft-com:mac:vml" xmlns:p="http://schemas.openxmlformats.org/presentationml/2006/main" xmlns:c="http://schemas.openxmlformats.org/drawingml/2006/chart" xmlns:dgm="http://schemas.openxmlformats.org/drawingml/2006/diagram" xmlns:o="urn:schemas-microsoft-com:office:office" xmlns:v="urn:schemas-microsoft-com:vml" xmlns:pvml="urn:schemas-microsoft-com:office:powerpoint" xmlns:com="http://schemas.openxmlformats.org/drawingml/2006/compatibility" xmlns:p14="http://schemas.microsoft.com/office/powerpoint/2010/main" xmlns:p15="http://schemas.microsoft.com/office/powerpoint/2012/main" xmlns:ahyp="http://schemas.microsoft.com/office/drawing/2018/hyperlinkcolor">
-  <p:cSld>
-    <p:spTree>
-      <p:nvGrpSpPr>
-        <p:cNvPr id="400" name="Shape 400"/>
-        <p:cNvGrpSpPr/>
-        <p:nvPr/>
-      </p:nvGrpSpPr>
-      <p:grpSpPr>
-        <a:xfrm>
-          <a:off x="0" y="0"/>
-          <a:ext cx="0" cy="0"/>
-          <a:chOff x="0" y="0"/>
-          <a:chExt cx="0" cy="0"/>
-        </a:xfrm>
-      </p:grpSpPr>
-      <p:sp>
-        <p:nvSpPr>
-          <p:cNvPr id="401" name="Google Shape;401;p31"/>
-          <p:cNvSpPr txBox="1"/>
-          <p:nvPr>
-            <p:ph type="title"/>
-          </p:nvPr>
-        </p:nvSpPr>
-        <p:spPr>
-          <a:xfrm>
-            <a:off x="1303800" y="598575"/>
-            <a:ext cx="7030500" cy="999300"/>
-          </a:xfrm>
-          <a:prstGeom prst="rect">
-            <a:avLst/>
-          </a:prstGeom>
-        </p:spPr>
-        <p:txBody>
-          <a:bodyPr anchorCtr="0" anchor="t" bIns="91425" lIns="91425" spcFirstLastPara="1" rIns="91425" wrap="square" tIns="91425">
-            <a:normAutofit/>
-          </a:bodyPr>
-          <a:lstStyle/>
-          <a:p>
-            <a:pPr indent="0" lvl="0" marL="0" rtl="0" algn="l">
-              <a:spcBef>
-                <a:spcPts val="0"/>
-              </a:spcBef>
-              <a:spcAft>
-                <a:spcPts val="0"/>
-              </a:spcAft>
-              <a:buNone/>
-            </a:pPr>
-            <a:r>
-              <a:rPr lang="en"/>
-              <a:t>Budući nastavak istraživanja</a:t>
-            </a:r>
-            <a:endParaRPr/>
-          </a:p>
-        </p:txBody>
-      </p:sp>
-      <p:sp>
-        <p:nvSpPr>
-          <p:cNvPr id="402" name="Google Shape;402;p31"/>
-          <p:cNvSpPr txBox="1"/>
-          <p:nvPr>
-            <p:ph idx="1" type="body"/>
-          </p:nvPr>
-        </p:nvSpPr>
-        <p:spPr>
-          <a:xfrm>
-            <a:off x="1303800" y="1990050"/>
-            <a:ext cx="7030500" cy="2541600"/>
-          </a:xfrm>
-          <a:prstGeom prst="rect">
-            <a:avLst/>
-          </a:prstGeom>
-        </p:spPr>
-        <p:txBody>
-          <a:bodyPr anchorCtr="0" anchor="t" bIns="91425" lIns="91425" spcFirstLastPara="1" rIns="91425" wrap="square" tIns="91425">
-            <a:normAutofit/>
-          </a:bodyPr>
-          <a:lstStyle/>
-          <a:p>
-            <a:pPr indent="0" lvl="0" marL="0" rtl="0" algn="l">
-              <a:spcBef>
-                <a:spcPts val="0"/>
-              </a:spcBef>
-              <a:spcAft>
-                <a:spcPts val="0"/>
-              </a:spcAft>
-              <a:buNone/>
-            </a:pPr>
-            <a:r>
-              <a:rPr lang="en">
-                <a:solidFill>
-                  <a:srgbClr val="000000"/>
-                </a:solidFill>
-                <a:highlight>
-                  <a:srgbClr val="FFFFFF"/>
-                </a:highlight>
-              </a:rPr>
-              <a:t>Kako bi daljnje poboljšali model mogli bismo promatrati ansambl metode gdje kombiniramo neke od naših modela zajedno.</a:t>
-            </a:r>
-            <a:endParaRPr>
-              <a:solidFill>
-                <a:srgbClr val="000000"/>
-              </a:solidFill>
-              <a:highlight>
-                <a:srgbClr val="FFFFFF"/>
-              </a:highlight>
-            </a:endParaRPr>
-          </a:p>
-          <a:p>
-            <a:pPr indent="0" lvl="0" marL="0" rtl="0" algn="l">
-              <a:spcBef>
-                <a:spcPts val="0"/>
-              </a:spcBef>
-              <a:spcAft>
-                <a:spcPts val="0"/>
-              </a:spcAft>
-              <a:buNone/>
-            </a:pPr>
-            <a:r>
-              <a:t/>
-            </a:r>
-            <a:endParaRPr>
-              <a:solidFill>
-                <a:srgbClr val="000000"/>
-              </a:solidFill>
-              <a:highlight>
-                <a:srgbClr val="FFFFFF"/>
-              </a:highlight>
-            </a:endParaRPr>
-          </a:p>
-          <a:p>
-            <a:pPr indent="0" lvl="0" marL="0" rtl="0" algn="l">
-              <a:spcBef>
-                <a:spcPts val="0"/>
-              </a:spcBef>
-              <a:spcAft>
-                <a:spcPts val="0"/>
-              </a:spcAft>
-              <a:buNone/>
-            </a:pPr>
-            <a:r>
-              <a:rPr lang="en">
-                <a:solidFill>
-                  <a:srgbClr val="000000"/>
-                </a:solidFill>
-                <a:highlight>
-                  <a:srgbClr val="FFFFFF"/>
-                </a:highlight>
-              </a:rPr>
-              <a:t>Drukčiji parametri za time series problem.</a:t>
-            </a:r>
-            <a:endParaRPr>
-              <a:solidFill>
-                <a:srgbClr val="000000"/>
-              </a:solidFill>
-              <a:highlight>
-                <a:srgbClr val="FFFFFF"/>
-              </a:highlight>
-            </a:endParaRPr>
-          </a:p>
-          <a:p>
-            <a:pPr indent="0" lvl="0" marL="0" rtl="0" algn="l">
-              <a:spcBef>
-                <a:spcPts val="0"/>
-              </a:spcBef>
-              <a:spcAft>
-                <a:spcPts val="0"/>
-              </a:spcAft>
-              <a:buNone/>
-            </a:pPr>
-            <a:r>
-              <a:t/>
-            </a:r>
-            <a:endParaRPr>
-              <a:solidFill>
-                <a:srgbClr val="000000"/>
-              </a:solidFill>
-              <a:highlight>
-                <a:srgbClr val="FFFFFF"/>
-              </a:highlight>
-            </a:endParaRPr>
-          </a:p>
-          <a:p>
-            <a:pPr indent="0" lvl="0" marL="0" rtl="0" algn="l">
-              <a:spcBef>
-                <a:spcPts val="0"/>
-              </a:spcBef>
-              <a:spcAft>
-                <a:spcPts val="0"/>
-              </a:spcAft>
-              <a:buNone/>
-            </a:pPr>
-            <a:r>
-              <a:rPr lang="en">
-                <a:solidFill>
-                  <a:srgbClr val="000000"/>
-                </a:solidFill>
-                <a:highlight>
-                  <a:srgbClr val="FFFFFF"/>
-                </a:highlight>
-              </a:rPr>
-              <a:t>Promatrati veći vremenski raspon ulaznih i izlaznih podataka.</a:t>
-            </a:r>
-            <a:endParaRPr>
-              <a:solidFill>
-                <a:srgbClr val="000000"/>
-              </a:solidFill>
-              <a:highlight>
-                <a:srgbClr val="FFFFFF"/>
-              </a:highlight>
-            </a:endParaRPr>
-          </a:p>
-          <a:p>
-            <a:pPr indent="0" lvl="0" marL="0" rtl="0" algn="l">
-              <a:spcBef>
-                <a:spcPts val="0"/>
-              </a:spcBef>
-              <a:spcAft>
-                <a:spcPts val="1200"/>
-              </a:spcAft>
-              <a:buNone/>
-            </a:pPr>
-            <a:r>
-              <a:t/>
             </a:r>
             <a:endParaRPr/>
           </a:p>
@@ -19927,6 +20042,244 @@
               <a:ea typeface="Trebuchet MS"/>
               <a:cs typeface="Trebuchet MS"/>
               <a:sym typeface="Trebuchet MS"/>
+            </a:endParaRPr>
+          </a:p>
+          <a:p>
+            <a:pPr indent="0" lvl="0" marL="0" rtl="0" algn="l">
+              <a:spcBef>
+                <a:spcPts val="0"/>
+              </a:spcBef>
+              <a:spcAft>
+                <a:spcPts val="1200"/>
+              </a:spcAft>
+              <a:buNone/>
+            </a:pPr>
+            <a:r>
+              <a:t/>
+            </a:r>
+            <a:endParaRPr/>
+          </a:p>
+        </p:txBody>
+      </p:sp>
+    </p:spTree>
+  </p:cSld>
+  <p:clrMapOvr>
+    <a:masterClrMapping/>
+  </p:clrMapOvr>
+</p:sld>
+</file>
+
+<file path=ppt/slides/slide20.xml><?xml version="1.0" encoding="utf-8"?>
+<p:sld xmlns:a="http://schemas.openxmlformats.org/drawingml/2006/main" xmlns:r="http://schemas.openxmlformats.org/officeDocument/2006/relationships" xmlns:mc="http://schemas.openxmlformats.org/markup-compatibility/2006" xmlns:mv="urn:schemas-microsoft-com:mac:vml" xmlns:p="http://schemas.openxmlformats.org/presentationml/2006/main" xmlns:c="http://schemas.openxmlformats.org/drawingml/2006/chart" xmlns:dgm="http://schemas.openxmlformats.org/drawingml/2006/diagram" xmlns:o="urn:schemas-microsoft-com:office:office" xmlns:v="urn:schemas-microsoft-com:vml" xmlns:pvml="urn:schemas-microsoft-com:office:powerpoint" xmlns:com="http://schemas.openxmlformats.org/drawingml/2006/compatibility" xmlns:p14="http://schemas.microsoft.com/office/powerpoint/2010/main" xmlns:p15="http://schemas.microsoft.com/office/powerpoint/2012/main" xmlns:ahyp="http://schemas.microsoft.com/office/drawing/2018/hyperlinkcolor">
+  <p:cSld>
+    <p:spTree>
+      <p:nvGrpSpPr>
+        <p:cNvPr id="408" name="Shape 408"/>
+        <p:cNvGrpSpPr/>
+        <p:nvPr/>
+      </p:nvGrpSpPr>
+      <p:grpSpPr>
+        <a:xfrm>
+          <a:off x="0" y="0"/>
+          <a:ext cx="0" cy="0"/>
+          <a:chOff x="0" y="0"/>
+          <a:chExt cx="0" cy="0"/>
+        </a:xfrm>
+      </p:grpSpPr>
+      <p:sp>
+        <p:nvSpPr>
+          <p:cNvPr id="409" name="Google Shape;409;p32"/>
+          <p:cNvSpPr txBox="1"/>
+          <p:nvPr>
+            <p:ph type="title"/>
+          </p:nvPr>
+        </p:nvSpPr>
+        <p:spPr>
+          <a:xfrm>
+            <a:off x="1303800" y="598575"/>
+            <a:ext cx="7030500" cy="999300"/>
+          </a:xfrm>
+          <a:prstGeom prst="rect">
+            <a:avLst/>
+          </a:prstGeom>
+        </p:spPr>
+        <p:txBody>
+          <a:bodyPr anchorCtr="0" anchor="t" bIns="91425" lIns="91425" spcFirstLastPara="1" rIns="91425" wrap="square" tIns="91425">
+            <a:normAutofit/>
+          </a:bodyPr>
+          <a:lstStyle/>
+          <a:p>
+            <a:pPr indent="0" lvl="0" marL="0" rtl="0" algn="l">
+              <a:spcBef>
+                <a:spcPts val="0"/>
+              </a:spcBef>
+              <a:spcAft>
+                <a:spcPts val="0"/>
+              </a:spcAft>
+              <a:buNone/>
+            </a:pPr>
+            <a:r>
+              <a:rPr lang="en"/>
+              <a:t>Budući nastavak istraživanja</a:t>
+            </a:r>
+            <a:endParaRPr/>
+          </a:p>
+        </p:txBody>
+      </p:sp>
+      <p:sp>
+        <p:nvSpPr>
+          <p:cNvPr id="410" name="Google Shape;410;p32"/>
+          <p:cNvSpPr txBox="1"/>
+          <p:nvPr>
+            <p:ph idx="1" type="body"/>
+          </p:nvPr>
+        </p:nvSpPr>
+        <p:spPr>
+          <a:xfrm>
+            <a:off x="1303800" y="1990050"/>
+            <a:ext cx="7030500" cy="2541600"/>
+          </a:xfrm>
+          <a:prstGeom prst="rect">
+            <a:avLst/>
+          </a:prstGeom>
+        </p:spPr>
+        <p:txBody>
+          <a:bodyPr anchorCtr="0" anchor="t" bIns="91425" lIns="91425" spcFirstLastPara="1" rIns="91425" wrap="square" tIns="91425">
+            <a:normAutofit/>
+          </a:bodyPr>
+          <a:lstStyle/>
+          <a:p>
+            <a:pPr indent="0" lvl="0" marL="0" rtl="0" algn="l">
+              <a:spcBef>
+                <a:spcPts val="0"/>
+              </a:spcBef>
+              <a:spcAft>
+                <a:spcPts val="0"/>
+              </a:spcAft>
+              <a:buNone/>
+            </a:pPr>
+            <a:r>
+              <a:rPr lang="en">
+                <a:solidFill>
+                  <a:srgbClr val="000000"/>
+                </a:solidFill>
+                <a:highlight>
+                  <a:srgbClr val="FFFFFF"/>
+                </a:highlight>
+              </a:rPr>
+              <a:t>Kako bi daljnje poboljšali model mogli bismo promatrati ansambl metode gdje kombiniramo neke od naših modela zajedno.</a:t>
+            </a:r>
+            <a:endParaRPr>
+              <a:solidFill>
+                <a:srgbClr val="000000"/>
+              </a:solidFill>
+              <a:highlight>
+                <a:srgbClr val="FFFFFF"/>
+              </a:highlight>
+            </a:endParaRPr>
+          </a:p>
+          <a:p>
+            <a:pPr indent="0" lvl="0" marL="0" rtl="0" algn="l">
+              <a:spcBef>
+                <a:spcPts val="0"/>
+              </a:spcBef>
+              <a:spcAft>
+                <a:spcPts val="0"/>
+              </a:spcAft>
+              <a:buNone/>
+            </a:pPr>
+            <a:r>
+              <a:t/>
+            </a:r>
+            <a:endParaRPr>
+              <a:solidFill>
+                <a:srgbClr val="000000"/>
+              </a:solidFill>
+              <a:highlight>
+                <a:srgbClr val="FFFFFF"/>
+              </a:highlight>
+            </a:endParaRPr>
+          </a:p>
+          <a:p>
+            <a:pPr indent="0" lvl="0" marL="0" rtl="0" algn="l">
+              <a:spcBef>
+                <a:spcPts val="0"/>
+              </a:spcBef>
+              <a:spcAft>
+                <a:spcPts val="0"/>
+              </a:spcAft>
+              <a:buNone/>
+            </a:pPr>
+            <a:r>
+              <a:rPr lang="en">
+                <a:solidFill>
+                  <a:srgbClr val="000000"/>
+                </a:solidFill>
+                <a:highlight>
+                  <a:srgbClr val="FFFFFF"/>
+                </a:highlight>
+              </a:rPr>
+              <a:t>Drukčiji parametri za time series problem.</a:t>
+            </a:r>
+            <a:endParaRPr>
+              <a:solidFill>
+                <a:srgbClr val="000000"/>
+              </a:solidFill>
+              <a:highlight>
+                <a:srgbClr val="FFFFFF"/>
+              </a:highlight>
+            </a:endParaRPr>
+          </a:p>
+          <a:p>
+            <a:pPr indent="0" lvl="0" marL="0" rtl="0" algn="l">
+              <a:spcBef>
+                <a:spcPts val="0"/>
+              </a:spcBef>
+              <a:spcAft>
+                <a:spcPts val="0"/>
+              </a:spcAft>
+              <a:buNone/>
+            </a:pPr>
+            <a:r>
+              <a:t/>
+            </a:r>
+            <a:endParaRPr>
+              <a:solidFill>
+                <a:srgbClr val="000000"/>
+              </a:solidFill>
+              <a:highlight>
+                <a:srgbClr val="FFFFFF"/>
+              </a:highlight>
+            </a:endParaRPr>
+          </a:p>
+          <a:p>
+            <a:pPr indent="0" lvl="0" marL="0" rtl="0" algn="l">
+              <a:spcBef>
+                <a:spcPts val="0"/>
+              </a:spcBef>
+              <a:spcAft>
+                <a:spcPts val="0"/>
+              </a:spcAft>
+              <a:buNone/>
+            </a:pPr>
+            <a:r>
+              <a:rPr lang="en">
+                <a:solidFill>
+                  <a:srgbClr val="000000"/>
+                </a:solidFill>
+                <a:highlight>
+                  <a:srgbClr val="FFFFFF"/>
+                </a:highlight>
+              </a:rPr>
+              <a:t>Promatrati veći vremenski raspon ulaznih i izlaznih podataka.</a:t>
+            </a:r>
+            <a:endParaRPr>
+              <a:solidFill>
+                <a:srgbClr val="000000"/>
+              </a:solidFill>
+              <a:highlight>
+                <a:srgbClr val="FFFFFF"/>
+              </a:highlight>
             </a:endParaRPr>
           </a:p>
           <a:p>
@@ -20629,9 +20982,146 @@
           <a:chExt cx="0" cy="0"/>
         </a:xfrm>
       </p:grpSpPr>
+      <p:pic>
+        <p:nvPicPr>
+          <p:cNvPr id="317" name="Google Shape;317;p19"/>
+          <p:cNvPicPr preferRelativeResize="0"/>
+          <p:nvPr/>
+        </p:nvPicPr>
+        <p:blipFill>
+          <a:blip r:embed="rId3">
+            <a:alphaModFix/>
+          </a:blip>
+          <a:stretch>
+            <a:fillRect/>
+          </a:stretch>
+        </p:blipFill>
+        <p:spPr>
+          <a:xfrm>
+            <a:off x="0" y="91238"/>
+            <a:ext cx="4495650" cy="2454929"/>
+          </a:xfrm>
+          <a:prstGeom prst="rect">
+            <a:avLst/>
+          </a:prstGeom>
+          <a:noFill/>
+          <a:ln>
+            <a:noFill/>
+          </a:ln>
+        </p:spPr>
+      </p:pic>
+      <p:pic>
+        <p:nvPicPr>
+          <p:cNvPr id="318" name="Google Shape;318;p19"/>
+          <p:cNvPicPr preferRelativeResize="0"/>
+          <p:nvPr/>
+        </p:nvPicPr>
+        <p:blipFill>
+          <a:blip r:embed="rId4">
+            <a:alphaModFix/>
+          </a:blip>
+          <a:stretch>
+            <a:fillRect/>
+          </a:stretch>
+        </p:blipFill>
+        <p:spPr>
+          <a:xfrm>
+            <a:off x="4495961" y="65650"/>
+            <a:ext cx="4589288" cy="2506100"/>
+          </a:xfrm>
+          <a:prstGeom prst="rect">
+            <a:avLst/>
+          </a:prstGeom>
+          <a:noFill/>
+          <a:ln>
+            <a:noFill/>
+          </a:ln>
+        </p:spPr>
+      </p:pic>
+      <p:pic>
+        <p:nvPicPr>
+          <p:cNvPr id="319" name="Google Shape;319;p19"/>
+          <p:cNvPicPr preferRelativeResize="0"/>
+          <p:nvPr/>
+        </p:nvPicPr>
+        <p:blipFill>
+          <a:blip r:embed="rId5">
+            <a:alphaModFix/>
+          </a:blip>
+          <a:stretch>
+            <a:fillRect/>
+          </a:stretch>
+        </p:blipFill>
+        <p:spPr>
+          <a:xfrm>
+            <a:off x="0" y="2584750"/>
+            <a:ext cx="4495651" cy="2427226"/>
+          </a:xfrm>
+          <a:prstGeom prst="rect">
+            <a:avLst/>
+          </a:prstGeom>
+          <a:noFill/>
+          <a:ln>
+            <a:noFill/>
+          </a:ln>
+        </p:spPr>
+      </p:pic>
+      <p:pic>
+        <p:nvPicPr>
+          <p:cNvPr id="320" name="Google Shape;320;p19"/>
+          <p:cNvPicPr preferRelativeResize="0"/>
+          <p:nvPr/>
+        </p:nvPicPr>
+        <p:blipFill>
+          <a:blip r:embed="rId6">
+            <a:alphaModFix/>
+          </a:blip>
+          <a:stretch>
+            <a:fillRect/>
+          </a:stretch>
+        </p:blipFill>
+        <p:spPr>
+          <a:xfrm>
+            <a:off x="4530075" y="2570900"/>
+            <a:ext cx="4555174" cy="2454925"/>
+          </a:xfrm>
+          <a:prstGeom prst="rect">
+            <a:avLst/>
+          </a:prstGeom>
+          <a:noFill/>
+          <a:ln>
+            <a:noFill/>
+          </a:ln>
+        </p:spPr>
+      </p:pic>
+    </p:spTree>
+  </p:cSld>
+  <p:clrMapOvr>
+    <a:masterClrMapping/>
+  </p:clrMapOvr>
+</p:sld>
+</file>
+
+<file path=ppt/slides/slide8.xml><?xml version="1.0" encoding="utf-8"?>
+<p:sld xmlns:a="http://schemas.openxmlformats.org/drawingml/2006/main" xmlns:r="http://schemas.openxmlformats.org/officeDocument/2006/relationships" xmlns:mc="http://schemas.openxmlformats.org/markup-compatibility/2006" xmlns:mv="urn:schemas-microsoft-com:mac:vml" xmlns:p="http://schemas.openxmlformats.org/presentationml/2006/main" xmlns:c="http://schemas.openxmlformats.org/drawingml/2006/chart" xmlns:dgm="http://schemas.openxmlformats.org/drawingml/2006/diagram" xmlns:o="urn:schemas-microsoft-com:office:office" xmlns:v="urn:schemas-microsoft-com:vml" xmlns:pvml="urn:schemas-microsoft-com:office:powerpoint" xmlns:com="http://schemas.openxmlformats.org/drawingml/2006/compatibility" xmlns:p14="http://schemas.microsoft.com/office/powerpoint/2010/main" xmlns:p15="http://schemas.microsoft.com/office/powerpoint/2012/main" xmlns:ahyp="http://schemas.microsoft.com/office/drawing/2018/hyperlinkcolor">
+  <p:cSld>
+    <p:spTree>
+      <p:nvGrpSpPr>
+        <p:cNvPr id="324" name="Shape 324"/>
+        <p:cNvGrpSpPr/>
+        <p:nvPr/>
+      </p:nvGrpSpPr>
+      <p:grpSpPr>
+        <a:xfrm>
+          <a:off x="0" y="0"/>
+          <a:ext cx="0" cy="0"/>
+          <a:chOff x="0" y="0"/>
+          <a:chExt cx="0" cy="0"/>
+        </a:xfrm>
+      </p:grpSpPr>
       <p:sp>
         <p:nvSpPr>
-          <p:cNvPr id="317" name="Google Shape;317;p19"/>
+          <p:cNvPr id="325" name="Google Shape;325;p20"/>
           <p:cNvSpPr txBox="1"/>
           <p:nvPr>
             <p:ph type="title"/>
@@ -20671,7 +21161,7 @@
       </p:sp>
       <p:sp>
         <p:nvSpPr>
-          <p:cNvPr id="318" name="Google Shape;318;p19"/>
+          <p:cNvPr id="326" name="Google Shape;326;p20"/>
           <p:cNvSpPr txBox="1"/>
           <p:nvPr>
             <p:ph idx="1" type="body"/>
@@ -20851,12 +21341,12 @@
 </p:sld>
 </file>
 
-<file path=ppt/slides/slide8.xml><?xml version="1.0" encoding="utf-8"?>
+<file path=ppt/slides/slide9.xml><?xml version="1.0" encoding="utf-8"?>
 <p:sld xmlns:a="http://schemas.openxmlformats.org/drawingml/2006/main" xmlns:r="http://schemas.openxmlformats.org/officeDocument/2006/relationships" xmlns:mc="http://schemas.openxmlformats.org/markup-compatibility/2006" xmlns:mv="urn:schemas-microsoft-com:mac:vml" xmlns:p="http://schemas.openxmlformats.org/presentationml/2006/main" xmlns:c="http://schemas.openxmlformats.org/drawingml/2006/chart" xmlns:dgm="http://schemas.openxmlformats.org/drawingml/2006/diagram" xmlns:o="urn:schemas-microsoft-com:office:office" xmlns:v="urn:schemas-microsoft-com:vml" xmlns:pvml="urn:schemas-microsoft-com:office:powerpoint" xmlns:com="http://schemas.openxmlformats.org/drawingml/2006/compatibility" xmlns:p14="http://schemas.microsoft.com/office/powerpoint/2010/main" xmlns:p15="http://schemas.microsoft.com/office/powerpoint/2012/main" xmlns:ahyp="http://schemas.microsoft.com/office/drawing/2018/hyperlinkcolor">
   <p:cSld>
     <p:spTree>
       <p:nvGrpSpPr>
-        <p:cNvPr id="322" name="Shape 322"/>
+        <p:cNvPr id="330" name="Shape 330"/>
         <p:cNvGrpSpPr/>
         <p:nvPr/>
       </p:nvGrpSpPr>
@@ -20870,7 +21360,7 @@
       </p:grpSpPr>
       <p:sp>
         <p:nvSpPr>
-          <p:cNvPr id="323" name="Google Shape;323;p20"/>
+          <p:cNvPr id="331" name="Google Shape;331;p21"/>
           <p:cNvSpPr txBox="1"/>
           <p:nvPr>
             <p:ph type="title"/>
@@ -20910,7 +21400,7 @@
       </p:sp>
       <p:sp>
         <p:nvSpPr>
-          <p:cNvPr id="324" name="Google Shape;324;p20"/>
+          <p:cNvPr id="332" name="Google Shape;332;p21"/>
           <p:cNvSpPr txBox="1"/>
           <p:nvPr>
             <p:ph idx="1" type="body"/>
@@ -20994,259 +21484,6 @@
             <a:r>
               <a:rPr lang="en"/>
               <a:t>Test kointegracije</a:t>
-            </a:r>
-            <a:endParaRPr/>
-          </a:p>
-        </p:txBody>
-      </p:sp>
-    </p:spTree>
-  </p:cSld>
-  <p:clrMapOvr>
-    <a:masterClrMapping/>
-  </p:clrMapOvr>
-</p:sld>
-</file>
-
-<file path=ppt/slides/slide9.xml><?xml version="1.0" encoding="utf-8"?>
-<p:sld xmlns:a="http://schemas.openxmlformats.org/drawingml/2006/main" xmlns:r="http://schemas.openxmlformats.org/officeDocument/2006/relationships" xmlns:mc="http://schemas.openxmlformats.org/markup-compatibility/2006" xmlns:mv="urn:schemas-microsoft-com:mac:vml" xmlns:p="http://schemas.openxmlformats.org/presentationml/2006/main" xmlns:c="http://schemas.openxmlformats.org/drawingml/2006/chart" xmlns:dgm="http://schemas.openxmlformats.org/drawingml/2006/diagram" xmlns:o="urn:schemas-microsoft-com:office:office" xmlns:v="urn:schemas-microsoft-com:vml" xmlns:pvml="urn:schemas-microsoft-com:office:powerpoint" xmlns:com="http://schemas.openxmlformats.org/drawingml/2006/compatibility" xmlns:p14="http://schemas.microsoft.com/office/powerpoint/2010/main" xmlns:p15="http://schemas.microsoft.com/office/powerpoint/2012/main" xmlns:ahyp="http://schemas.microsoft.com/office/drawing/2018/hyperlinkcolor">
-  <p:cSld>
-    <p:spTree>
-      <p:nvGrpSpPr>
-        <p:cNvPr id="328" name="Shape 328"/>
-        <p:cNvGrpSpPr/>
-        <p:nvPr/>
-      </p:nvGrpSpPr>
-      <p:grpSpPr>
-        <a:xfrm>
-          <a:off x="0" y="0"/>
-          <a:ext cx="0" cy="0"/>
-          <a:chOff x="0" y="0"/>
-          <a:chExt cx="0" cy="0"/>
-        </a:xfrm>
-      </p:grpSpPr>
-      <p:sp>
-        <p:nvSpPr>
-          <p:cNvPr id="329" name="Google Shape;329;p21"/>
-          <p:cNvSpPr txBox="1"/>
-          <p:nvPr>
-            <p:ph type="title"/>
-          </p:nvPr>
-        </p:nvSpPr>
-        <p:spPr>
-          <a:xfrm>
-            <a:off x="1303800" y="598575"/>
-            <a:ext cx="7030500" cy="999300"/>
-          </a:xfrm>
-          <a:prstGeom prst="rect">
-            <a:avLst/>
-          </a:prstGeom>
-        </p:spPr>
-        <p:txBody>
-          <a:bodyPr anchorCtr="0" anchor="t" bIns="91425" lIns="91425" spcFirstLastPara="1" rIns="91425" wrap="square" tIns="91425">
-            <a:normAutofit/>
-          </a:bodyPr>
-          <a:lstStyle/>
-          <a:p>
-            <a:pPr indent="0" lvl="0" marL="0" rtl="0" algn="l">
-              <a:spcBef>
-                <a:spcPts val="0"/>
-              </a:spcBef>
-              <a:spcAft>
-                <a:spcPts val="0"/>
-              </a:spcAft>
-              <a:buNone/>
-            </a:pPr>
-            <a:r>
-              <a:rPr lang="en"/>
-              <a:t>Rezultati</a:t>
-            </a:r>
-            <a:endParaRPr/>
-          </a:p>
-        </p:txBody>
-      </p:sp>
-      <p:sp>
-        <p:nvSpPr>
-          <p:cNvPr id="330" name="Google Shape;330;p21"/>
-          <p:cNvSpPr txBox="1"/>
-          <p:nvPr>
-            <p:ph idx="1" type="body"/>
-          </p:nvPr>
-        </p:nvSpPr>
-        <p:spPr>
-          <a:xfrm>
-            <a:off x="1303800" y="1990050"/>
-            <a:ext cx="7030500" cy="2541600"/>
-          </a:xfrm>
-          <a:prstGeom prst="rect">
-            <a:avLst/>
-          </a:prstGeom>
-        </p:spPr>
-        <p:txBody>
-          <a:bodyPr anchorCtr="0" anchor="t" bIns="91425" lIns="91425" spcFirstLastPara="1" rIns="91425" wrap="square" tIns="91425">
-            <a:normAutofit/>
-          </a:bodyPr>
-          <a:lstStyle/>
-          <a:p>
-            <a:pPr indent="0" lvl="0" marL="0" rtl="0" algn="l">
-              <a:lnSpc>
-                <a:spcPct val="100000"/>
-              </a:lnSpc>
-              <a:spcBef>
-                <a:spcPts val="0"/>
-              </a:spcBef>
-              <a:spcAft>
-                <a:spcPts val="0"/>
-              </a:spcAft>
-              <a:buNone/>
-            </a:pPr>
-            <a:r>
-              <a:rPr lang="en">
-                <a:solidFill>
-                  <a:srgbClr val="000000"/>
-                </a:solidFill>
-                <a:highlight>
-                  <a:srgbClr val="FFFFFF"/>
-                </a:highlight>
-              </a:rPr>
-              <a:t>Sve modele smo trenirali na početnih 70% podataka, a testirali na završnih 30% podataka. </a:t>
-            </a:r>
-            <a:endParaRPr>
-              <a:solidFill>
-                <a:srgbClr val="000000"/>
-              </a:solidFill>
-              <a:highlight>
-                <a:srgbClr val="FFFFFF"/>
-              </a:highlight>
-            </a:endParaRPr>
-          </a:p>
-          <a:p>
-            <a:pPr indent="0" lvl="0" marL="0" rtl="0" algn="l">
-              <a:lnSpc>
-                <a:spcPct val="100000"/>
-              </a:lnSpc>
-              <a:spcBef>
-                <a:spcPts val="0"/>
-              </a:spcBef>
-              <a:spcAft>
-                <a:spcPts val="0"/>
-              </a:spcAft>
-              <a:buNone/>
-            </a:pPr>
-            <a:r>
-              <a:t/>
-            </a:r>
-            <a:endParaRPr>
-              <a:solidFill>
-                <a:srgbClr val="000000"/>
-              </a:solidFill>
-              <a:highlight>
-                <a:srgbClr val="FFFFFF"/>
-              </a:highlight>
-            </a:endParaRPr>
-          </a:p>
-          <a:p>
-            <a:pPr indent="0" lvl="0" marL="0" rtl="0" algn="l">
-              <a:lnSpc>
-                <a:spcPct val="100000"/>
-              </a:lnSpc>
-              <a:spcBef>
-                <a:spcPts val="0"/>
-              </a:spcBef>
-              <a:spcAft>
-                <a:spcPts val="0"/>
-              </a:spcAft>
-              <a:buNone/>
-            </a:pPr>
-            <a:r>
-              <a:rPr lang="en">
-                <a:solidFill>
-                  <a:srgbClr val="000000"/>
-                </a:solidFill>
-                <a:highlight>
-                  <a:srgbClr val="FFFFFF"/>
-                </a:highlight>
-              </a:rPr>
-              <a:t>Kod metoda koje ne koriste datum smo još napravili i K-struku unakrsnu validaciju kako bismo potvrdili rezultate, no modele smo međusobno uspoređivali na temelju rezultata na završnih 30% podataka. </a:t>
-            </a:r>
-            <a:endParaRPr>
-              <a:solidFill>
-                <a:srgbClr val="000000"/>
-              </a:solidFill>
-              <a:highlight>
-                <a:srgbClr val="FFFFFF"/>
-              </a:highlight>
-            </a:endParaRPr>
-          </a:p>
-          <a:p>
-            <a:pPr indent="0" lvl="0" marL="0" rtl="0" algn="l">
-              <a:lnSpc>
-                <a:spcPct val="100000"/>
-              </a:lnSpc>
-              <a:spcBef>
-                <a:spcPts val="0"/>
-              </a:spcBef>
-              <a:spcAft>
-                <a:spcPts val="0"/>
-              </a:spcAft>
-              <a:buNone/>
-            </a:pPr>
-            <a:r>
-              <a:t/>
-            </a:r>
-            <a:endParaRPr>
-              <a:solidFill>
-                <a:srgbClr val="000000"/>
-              </a:solidFill>
-              <a:highlight>
-                <a:srgbClr val="FFFFFF"/>
-              </a:highlight>
-            </a:endParaRPr>
-          </a:p>
-          <a:p>
-            <a:pPr indent="0" lvl="0" marL="0" rtl="0" algn="l">
-              <a:lnSpc>
-                <a:spcPct val="100000"/>
-              </a:lnSpc>
-              <a:spcBef>
-                <a:spcPts val="0"/>
-              </a:spcBef>
-              <a:spcAft>
-                <a:spcPts val="0"/>
-              </a:spcAft>
-              <a:buNone/>
-            </a:pPr>
-            <a:r>
-              <a:rPr lang="en">
-                <a:solidFill>
-                  <a:srgbClr val="000000"/>
-                </a:solidFill>
-                <a:highlight>
-                  <a:srgbClr val="FFFFFF"/>
-                </a:highlight>
-              </a:rPr>
-              <a:t>Koristili smo prosječnu apsolutnu grešku za metriku. Računali smo je na skaliranim podacima jer nam je bitno jedino da možemo uspoređivati modele međusobno, a i radi jednostavnosti.</a:t>
-            </a:r>
-            <a:endParaRPr>
-              <a:solidFill>
-                <a:srgbClr val="000000"/>
-              </a:solidFill>
-              <a:highlight>
-                <a:srgbClr val="FFFFFF"/>
-              </a:highlight>
-            </a:endParaRPr>
-          </a:p>
-          <a:p>
-            <a:pPr indent="0" lvl="0" marL="0" rtl="0" algn="l">
-              <a:spcBef>
-                <a:spcPts val="0"/>
-              </a:spcBef>
-              <a:spcAft>
-                <a:spcPts val="1200"/>
-              </a:spcAft>
-              <a:buNone/>
-            </a:pPr>
-            <a:r>
-              <a:t/>
             </a:r>
             <a:endParaRPr/>
           </a:p>
